--- a/final presentation.pptx
+++ b/final presentation.pptx
@@ -14,9 +14,10 @@
     <p:sldId id="264" r:id="rId8"/>
     <p:sldId id="265" r:id="rId9"/>
     <p:sldId id="261" r:id="rId10"/>
-    <p:sldId id="262" r:id="rId11"/>
-    <p:sldId id="266" r:id="rId12"/>
-    <p:sldId id="267" r:id="rId13"/>
+    <p:sldId id="268" r:id="rId11"/>
+    <p:sldId id="262" r:id="rId12"/>
+    <p:sldId id="266" r:id="rId13"/>
+    <p:sldId id="267" r:id="rId14"/>
   </p:sldIdLst>
   <p:sldSz cx="12192000" cy="6858000"/>
   <p:notesSz cx="6858000" cy="9144000"/>
@@ -115,7 +116,57 @@
       </a:defRPr>
     </a:lvl9pPr>
   </p:defaultTextStyle>
+  <p:extLst>
+    <p:ext uri="{EFAFB233-063F-42B5-8137-9DF3F51BA10A}">
+      <p15:sldGuideLst xmlns:p15="http://schemas.microsoft.com/office/powerpoint/2012/main"/>
+    </p:ext>
+  </p:extLst>
 </p:presentation>
+</file>
+
+<file path=ppt/revisionInfo.xml><?xml version="1.0" encoding="utf-8"?>
+<p1510:revInfo xmlns:a="http://schemas.openxmlformats.org/drawingml/2006/main" xmlns:r="http://schemas.openxmlformats.org/officeDocument/2006/relationships" xmlns:p1510="http://schemas.microsoft.com/office/powerpoint/2015/10/main">
+  <p1510:revLst>
+    <p1510:client id="{73D957B5-E405-4B87-B4E0-758BDE52619E}" v="2" dt="2018-10-17T03:19:38.775"/>
+  </p1510:revLst>
+</p1510:revInfo>
+</file>
+
+<file path=ppt/changesInfos/changesInfo1.xml><?xml version="1.0" encoding="utf-8"?>
+<pc:chgInfo xmlns:a="http://schemas.openxmlformats.org/drawingml/2006/main" xmlns:r="http://schemas.openxmlformats.org/officeDocument/2006/relationships" xmlns:ac="http://schemas.microsoft.com/office/drawing/2013/main/command" xmlns:pc="http://schemas.microsoft.com/office/powerpoint/2013/main/command">
+  <pc:docChgLst>
+    <pc:chgData name="신 동진" userId="fcffd04487e829fb" providerId="LiveId" clId="{73D957B5-E405-4B87-B4E0-758BDE52619E}"/>
+    <pc:docChg chg="addSld modSld">
+      <pc:chgData name="신 동진" userId="fcffd04487e829fb" providerId="LiveId" clId="{73D957B5-E405-4B87-B4E0-758BDE52619E}" dt="2018-10-17T03:19:45.931" v="5" actId="14100"/>
+      <pc:docMkLst>
+        <pc:docMk/>
+      </pc:docMkLst>
+      <pc:sldChg chg="addSp delSp modSp add">
+        <pc:chgData name="신 동진" userId="fcffd04487e829fb" providerId="LiveId" clId="{73D957B5-E405-4B87-B4E0-758BDE52619E}" dt="2018-10-17T03:19:45.931" v="5" actId="14100"/>
+        <pc:sldMkLst>
+          <pc:docMk/>
+          <pc:sldMk cId="3785386770" sldId="268"/>
+        </pc:sldMkLst>
+        <pc:spChg chg="del">
+          <ac:chgData name="신 동진" userId="fcffd04487e829fb" providerId="LiveId" clId="{73D957B5-E405-4B87-B4E0-758BDE52619E}" dt="2018-10-17T03:19:38.774" v="1" actId="931"/>
+          <ac:spMkLst>
+            <pc:docMk/>
+            <pc:sldMk cId="3785386770" sldId="268"/>
+            <ac:spMk id="3" creationId="{81DA4870-6E9D-45CB-9DE4-AF47EA5808CA}"/>
+          </ac:spMkLst>
+        </pc:spChg>
+        <pc:picChg chg="add mod">
+          <ac:chgData name="신 동진" userId="fcffd04487e829fb" providerId="LiveId" clId="{73D957B5-E405-4B87-B4E0-758BDE52619E}" dt="2018-10-17T03:19:45.931" v="5" actId="14100"/>
+          <ac:picMkLst>
+            <pc:docMk/>
+            <pc:sldMk cId="3785386770" sldId="268"/>
+            <ac:picMk id="5" creationId="{8224EB14-9727-413C-8A69-D60854772433}"/>
+          </ac:picMkLst>
+        </pc:picChg>
+      </pc:sldChg>
+    </pc:docChg>
+  </pc:docChgLst>
+</pc:chgInfo>
 </file>
 
 <file path=ppt/slideLayouts/slideLayout1.xml><?xml version="1.0" encoding="utf-8"?>
@@ -292,7 +343,7 @@
             <a:fld id="{87DE6118-2437-4B30-8E3C-4D2BE6020583}" type="datetimeFigureOut">
               <a:rPr lang="en-US" dirty="0"/>
               <a:pPr/>
-              <a:t>10/15/2018</a:t>
+              <a:t>10/17/2018</a:t>
             </a:fld>
             <a:endParaRPr lang="en-US" dirty="0"/>
           </a:p>
@@ -618,7 +669,7 @@
           <a:p>
             <a:fld id="{87DE6118-2437-4B30-8E3C-4D2BE6020583}" type="datetimeFigureOut">
               <a:rPr lang="en-US" dirty="0"/>
-              <a:t>10/15/2018</a:t>
+              <a:t>10/17/2018</a:t>
             </a:fld>
             <a:endParaRPr lang="en-US" dirty="0"/>
           </a:p>
@@ -793,7 +844,7 @@
           <a:p>
             <a:fld id="{87DE6118-2437-4B30-8E3C-4D2BE6020583}" type="datetimeFigureOut">
               <a:rPr lang="en-US" dirty="0"/>
-              <a:t>10/15/2018</a:t>
+              <a:t>10/17/2018</a:t>
             </a:fld>
             <a:endParaRPr lang="en-US" dirty="0"/>
           </a:p>
@@ -958,7 +1009,7 @@
           <a:p>
             <a:fld id="{87DE6118-2437-4B30-8E3C-4D2BE6020583}" type="datetimeFigureOut">
               <a:rPr lang="en-US" dirty="0"/>
-              <a:t>10/15/2018</a:t>
+              <a:t>10/17/2018</a:t>
             </a:fld>
             <a:endParaRPr lang="en-US" dirty="0"/>
           </a:p>
@@ -1231,7 +1282,7 @@
             <a:fld id="{87DE6118-2437-4B30-8E3C-4D2BE6020583}" type="datetimeFigureOut">
               <a:rPr lang="en-US" dirty="0"/>
               <a:pPr/>
-              <a:t>10/15/2018</a:t>
+              <a:t>10/17/2018</a:t>
             </a:fld>
             <a:endParaRPr lang="en-US" dirty="0"/>
           </a:p>
@@ -1621,7 +1672,7 @@
           <a:p>
             <a:fld id="{87DE6118-2437-4B30-8E3C-4D2BE6020583}" type="datetimeFigureOut">
               <a:rPr lang="en-US" dirty="0"/>
-              <a:t>10/15/2018</a:t>
+              <a:t>10/17/2018</a:t>
             </a:fld>
             <a:endParaRPr lang="en-US" dirty="0"/>
           </a:p>
@@ -2093,7 +2144,7 @@
           <a:p>
             <a:fld id="{87DE6118-2437-4B30-8E3C-4D2BE6020583}" type="datetimeFigureOut">
               <a:rPr lang="en-US" dirty="0"/>
-              <a:t>10/15/2018</a:t>
+              <a:t>10/17/2018</a:t>
             </a:fld>
             <a:endParaRPr lang="en-US" dirty="0"/>
           </a:p>
@@ -2206,7 +2257,7 @@
           <a:p>
             <a:fld id="{87DE6118-2437-4B30-8E3C-4D2BE6020583}" type="datetimeFigureOut">
               <a:rPr lang="en-US" dirty="0"/>
-              <a:t>10/15/2018</a:t>
+              <a:t>10/17/2018</a:t>
             </a:fld>
             <a:endParaRPr lang="en-US" dirty="0"/>
           </a:p>
@@ -2296,7 +2347,7 @@
           <a:p>
             <a:fld id="{87DE6118-2437-4B30-8E3C-4D2BE6020583}" type="datetimeFigureOut">
               <a:rPr lang="en-US" dirty="0"/>
-              <a:t>10/15/2018</a:t>
+              <a:t>10/17/2018</a:t>
             </a:fld>
             <a:endParaRPr lang="en-US" dirty="0"/>
           </a:p>
@@ -2638,7 +2689,7 @@
             <a:fld id="{87DE6118-2437-4B30-8E3C-4D2BE6020583}" type="datetimeFigureOut">
               <a:rPr lang="en-US" dirty="0"/>
               <a:pPr/>
-              <a:t>10/15/2018</a:t>
+              <a:t>10/17/2018</a:t>
             </a:fld>
             <a:endParaRPr lang="en-US" dirty="0"/>
           </a:p>
@@ -3023,7 +3074,7 @@
             <a:fld id="{87DE6118-2437-4B30-8E3C-4D2BE6020583}" type="datetimeFigureOut">
               <a:rPr lang="en-US" dirty="0"/>
               <a:pPr/>
-              <a:t>10/15/2018</a:t>
+              <a:t>10/17/2018</a:t>
             </a:fld>
             <a:endParaRPr lang="en-US" dirty="0"/>
           </a:p>
@@ -3298,7 +3349,7 @@
             <a:fld id="{87DE6118-2437-4B30-8E3C-4D2BE6020583}" type="datetimeFigureOut">
               <a:rPr lang="en-US" dirty="0"/>
               <a:pPr/>
-              <a:t>10/15/2018</a:t>
+              <a:t>10/17/2018</a:t>
             </a:fld>
             <a:endParaRPr lang="en-US" dirty="0"/>
           </a:p>
@@ -3906,7 +3957,7 @@
           <p:cNvPr id="2" name="제목 1">
             <a:extLst>
               <a:ext uri="{FF2B5EF4-FFF2-40B4-BE49-F238E27FC236}">
-                <a16:creationId xmlns:a16="http://schemas.microsoft.com/office/drawing/2014/main" id="{C0180AD6-C4C2-4033-BDC5-8DA098AE1419}"/>
+                <a16:creationId xmlns:a16="http://schemas.microsoft.com/office/drawing/2014/main" id="{7B7A8575-48A0-4E5D-9092-11386F4CD063}"/>
               </a:ext>
             </a:extLst>
           </p:cNvPr>
@@ -3922,74 +3973,43 @@
           <a:bodyPr/>
           <a:lstStyle/>
           <a:p>
-            <a:r>
-              <a:rPr lang="ko-KR" altLang="en-US" dirty="0"/>
-              <a:t>한계점</a:t>
-            </a:r>
-          </a:p>
-        </p:txBody>
-      </p:sp>
-      <p:sp>
-        <p:nvSpPr>
-          <p:cNvPr id="3" name="내용 개체 틀 2">
+            <a:endParaRPr lang="ko-KR" altLang="en-US"/>
+          </a:p>
+        </p:txBody>
+      </p:sp>
+      <p:pic>
+        <p:nvPicPr>
+          <p:cNvPr id="5" name="내용 개체 틀 4" descr="스크린샷이(가) 표시된 사진&#10;&#10;매우 높은 신뢰도로 생성된 설명">
             <a:extLst>
               <a:ext uri="{FF2B5EF4-FFF2-40B4-BE49-F238E27FC236}">
-                <a16:creationId xmlns:a16="http://schemas.microsoft.com/office/drawing/2014/main" id="{2248152E-2E37-4B9F-84FF-75CF2429FA23}"/>
+                <a16:creationId xmlns:a16="http://schemas.microsoft.com/office/drawing/2014/main" id="{8224EB14-9727-413C-8A69-D60854772433}"/>
               </a:ext>
             </a:extLst>
           </p:cNvPr>
-          <p:cNvSpPr>
-            <a:spLocks noGrp="1"/>
-          </p:cNvSpPr>
+          <p:cNvPicPr>
+            <a:picLocks noGrp="1" noChangeAspect="1"/>
+          </p:cNvPicPr>
           <p:nvPr>
             <p:ph idx="1"/>
           </p:nvPr>
-        </p:nvSpPr>
-        <p:spPr/>
-        <p:txBody>
-          <a:bodyPr>
-            <a:normAutofit/>
-          </a:bodyPr>
-          <a:lstStyle/>
-          <a:p>
-            <a:r>
-              <a:rPr lang="ko-KR" altLang="en-US" sz="2400" dirty="0" err="1"/>
-              <a:t>그래픽적인</a:t>
-            </a:r>
-            <a:r>
-              <a:rPr lang="ko-KR" altLang="en-US" sz="2400" dirty="0"/>
-              <a:t> 요소를 구현하지 못했다</a:t>
-            </a:r>
-            <a:endParaRPr lang="en-US" altLang="ko-KR" sz="2400" dirty="0"/>
-          </a:p>
-          <a:p>
-            <a:r>
-              <a:rPr lang="ko-KR" altLang="en-US" sz="2400" dirty="0"/>
-              <a:t>사용자가 직접 출발지와 도착지를 입력해주어야 한다</a:t>
-            </a:r>
-            <a:endParaRPr lang="en-US" altLang="ko-KR" sz="2400" dirty="0"/>
-          </a:p>
-          <a:p>
-            <a:r>
-              <a:rPr lang="ko-KR" altLang="en-US" sz="2400" dirty="0"/>
-              <a:t>각 도로 지점 명과 도로의 이름만 알려주기 때문에 사용자가 길을 찾아가기 힘들 수 있다</a:t>
-            </a:r>
-            <a:r>
-              <a:rPr lang="en-US" altLang="ko-KR" sz="2400" dirty="0"/>
-              <a:t>…..</a:t>
-            </a:r>
-            <a:r>
-              <a:rPr lang="ko-KR" altLang="en-US" sz="2400" dirty="0" err="1"/>
-              <a:t>ㅠㅠ</a:t>
-            </a:r>
-            <a:endParaRPr lang="ko-KR" altLang="en-US" sz="2400" dirty="0"/>
-          </a:p>
-        </p:txBody>
-      </p:sp>
+        </p:nvPicPr>
+        <p:blipFill>
+          <a:blip r:embed="rId2"/>
+          <a:stretch>
+            <a:fillRect/>
+          </a:stretch>
+        </p:blipFill>
+        <p:spPr>
+          <a:xfrm>
+            <a:off x="1219200" y="381000"/>
+            <a:ext cx="10866454" cy="5791200"/>
+          </a:xfrm>
+        </p:spPr>
+      </p:pic>
     </p:spTree>
     <p:extLst>
       <p:ext uri="{BB962C8B-B14F-4D97-AF65-F5344CB8AC3E}">
-        <p14:creationId xmlns:p14="http://schemas.microsoft.com/office/powerpoint/2010/main" val="1062485455"/>
+        <p14:creationId xmlns:p14="http://schemas.microsoft.com/office/powerpoint/2010/main" val="3785386770"/>
       </p:ext>
     </p:extLst>
   </p:cSld>
@@ -4021,6 +4041,121 @@
           <p:cNvPr id="2" name="제목 1">
             <a:extLst>
               <a:ext uri="{FF2B5EF4-FFF2-40B4-BE49-F238E27FC236}">
+                <a16:creationId xmlns:a16="http://schemas.microsoft.com/office/drawing/2014/main" id="{C0180AD6-C4C2-4033-BDC5-8DA098AE1419}"/>
+              </a:ext>
+            </a:extLst>
+          </p:cNvPr>
+          <p:cNvSpPr>
+            <a:spLocks noGrp="1"/>
+          </p:cNvSpPr>
+          <p:nvPr>
+            <p:ph type="title"/>
+          </p:nvPr>
+        </p:nvSpPr>
+        <p:spPr/>
+        <p:txBody>
+          <a:bodyPr/>
+          <a:lstStyle/>
+          <a:p>
+            <a:r>
+              <a:rPr lang="ko-KR" altLang="en-US" dirty="0"/>
+              <a:t>한계점</a:t>
+            </a:r>
+          </a:p>
+        </p:txBody>
+      </p:sp>
+      <p:sp>
+        <p:nvSpPr>
+          <p:cNvPr id="3" name="내용 개체 틀 2">
+            <a:extLst>
+              <a:ext uri="{FF2B5EF4-FFF2-40B4-BE49-F238E27FC236}">
+                <a16:creationId xmlns:a16="http://schemas.microsoft.com/office/drawing/2014/main" id="{2248152E-2E37-4B9F-84FF-75CF2429FA23}"/>
+              </a:ext>
+            </a:extLst>
+          </p:cNvPr>
+          <p:cNvSpPr>
+            <a:spLocks noGrp="1"/>
+          </p:cNvSpPr>
+          <p:nvPr>
+            <p:ph idx="1"/>
+          </p:nvPr>
+        </p:nvSpPr>
+        <p:spPr/>
+        <p:txBody>
+          <a:bodyPr>
+            <a:normAutofit/>
+          </a:bodyPr>
+          <a:lstStyle/>
+          <a:p>
+            <a:r>
+              <a:rPr lang="ko-KR" altLang="en-US" sz="2400" dirty="0" err="1"/>
+              <a:t>그래픽적인</a:t>
+            </a:r>
+            <a:r>
+              <a:rPr lang="ko-KR" altLang="en-US" sz="2400" dirty="0"/>
+              <a:t> 요소를 구현하지 못했다</a:t>
+            </a:r>
+            <a:endParaRPr lang="en-US" altLang="ko-KR" sz="2400" dirty="0"/>
+          </a:p>
+          <a:p>
+            <a:r>
+              <a:rPr lang="ko-KR" altLang="en-US" sz="2400" dirty="0"/>
+              <a:t>사용자가 직접 출발지와 도착지를 입력해주어야 한다</a:t>
+            </a:r>
+            <a:endParaRPr lang="en-US" altLang="ko-KR" sz="2400" dirty="0"/>
+          </a:p>
+          <a:p>
+            <a:r>
+              <a:rPr lang="ko-KR" altLang="en-US" sz="2400" dirty="0"/>
+              <a:t>각 도로 지점 명과 도로의 이름만 알려주기 때문에 사용자가 길을 찾아가기 힘들 수 있다</a:t>
+            </a:r>
+            <a:r>
+              <a:rPr lang="en-US" altLang="ko-KR" sz="2400" dirty="0"/>
+              <a:t>…..</a:t>
+            </a:r>
+            <a:r>
+              <a:rPr lang="ko-KR" altLang="en-US" sz="2400" dirty="0" err="1"/>
+              <a:t>ㅠㅠ</a:t>
+            </a:r>
+            <a:endParaRPr lang="ko-KR" altLang="en-US" sz="2400" dirty="0"/>
+          </a:p>
+        </p:txBody>
+      </p:sp>
+    </p:spTree>
+    <p:extLst>
+      <p:ext uri="{BB962C8B-B14F-4D97-AF65-F5344CB8AC3E}">
+        <p14:creationId xmlns:p14="http://schemas.microsoft.com/office/powerpoint/2010/main" val="1062485455"/>
+      </p:ext>
+    </p:extLst>
+  </p:cSld>
+  <p:clrMapOvr>
+    <a:masterClrMapping/>
+  </p:clrMapOvr>
+</p:sld>
+</file>
+
+<file path=ppt/slides/slide12.xml><?xml version="1.0" encoding="utf-8"?>
+<p:sld xmlns:a="http://schemas.openxmlformats.org/drawingml/2006/main" xmlns:r="http://schemas.openxmlformats.org/officeDocument/2006/relationships" xmlns:p="http://schemas.openxmlformats.org/presentationml/2006/main">
+  <p:cSld>
+    <p:spTree>
+      <p:nvGrpSpPr>
+        <p:cNvPr id="1" name=""/>
+        <p:cNvGrpSpPr/>
+        <p:nvPr/>
+      </p:nvGrpSpPr>
+      <p:grpSpPr>
+        <a:xfrm>
+          <a:off x="0" y="0"/>
+          <a:ext cx="0" cy="0"/>
+          <a:chOff x="0" y="0"/>
+          <a:chExt cx="0" cy="0"/>
+        </a:xfrm>
+      </p:grpSpPr>
+      <p:sp>
+        <p:nvSpPr>
+          <p:cNvPr id="2" name="제목 1">
+            <a:extLst>
+              <a:ext uri="{FF2B5EF4-FFF2-40B4-BE49-F238E27FC236}">
                 <a16:creationId xmlns:a16="http://schemas.microsoft.com/office/drawing/2014/main" id="{2F3CA3AB-41D2-4981-96D1-182A94A2766B}"/>
               </a:ext>
             </a:extLst>
@@ -4163,7 +4298,7 @@
 </p:sld>
 </file>
 
-<file path=ppt/slides/slide12.xml><?xml version="1.0" encoding="utf-8"?>
+<file path=ppt/slides/slide13.xml><?xml version="1.0" encoding="utf-8"?>
 <p:sld xmlns:a="http://schemas.openxmlformats.org/drawingml/2006/main" xmlns:r="http://schemas.openxmlformats.org/officeDocument/2006/relationships" xmlns:p="http://schemas.openxmlformats.org/presentationml/2006/main">
   <p:cSld>
     <p:spTree>
